--- a/Invest-In.pptx
+++ b/Invest-In.pptx
@@ -10,6 +10,7 @@
     <p:sldId id="258" r:id="rId4"/>
     <p:sldId id="259" r:id="rId5"/>
     <p:sldId id="260" r:id="rId6"/>
+    <p:sldId id="261" r:id="rId7"/>
   </p:sldIdLst>
   <p:sldSz cx="12192000" cy="6858000"/>
   <p:notesSz cx="6858000" cy="9144000"/>
@@ -3906,12 +3907,20 @@
         </p:nvSpPr>
         <p:spPr/>
         <p:txBody>
-          <a:bodyPr/>
+          <a:bodyPr>
+            <a:normAutofit fontScale="92500"/>
+          </a:bodyPr>
           <a:lstStyle/>
           <a:p>
             <a:r>
               <a:rPr lang="en-US" dirty="0"/>
               <a:t>We are aiming to help the middle/poor class</a:t>
+            </a:r>
+          </a:p>
+          <a:p>
+            <a:r>
+              <a:rPr lang="en-US" dirty="0"/>
+              <a:t>Want to Bridge the gap between beginner and expert traders. Make powerful tools like ML prediction accessible to everybody.</a:t>
             </a:r>
           </a:p>
           <a:p>
@@ -4125,6 +4134,89 @@
     <p:extLst>
       <p:ext uri="{BB962C8B-B14F-4D97-AF65-F5344CB8AC3E}">
         <p14:creationId xmlns:p14="http://schemas.microsoft.com/office/powerpoint/2010/main" val="4256160336"/>
+      </p:ext>
+    </p:extLst>
+  </p:cSld>
+  <p:clrMapOvr>
+    <a:masterClrMapping/>
+  </p:clrMapOvr>
+</p:sld>
+</file>
+
+<file path=ppt/slides/slide6.xml><?xml version="1.0" encoding="utf-8"?>
+<p:sld xmlns:a="http://schemas.openxmlformats.org/drawingml/2006/main" xmlns:r="http://schemas.openxmlformats.org/officeDocument/2006/relationships" xmlns:p="http://schemas.openxmlformats.org/presentationml/2006/main">
+  <p:cSld>
+    <p:spTree>
+      <p:nvGrpSpPr>
+        <p:cNvPr id="1" name=""/>
+        <p:cNvGrpSpPr/>
+        <p:nvPr/>
+      </p:nvGrpSpPr>
+      <p:grpSpPr>
+        <a:xfrm>
+          <a:off x="0" y="0"/>
+          <a:ext cx="0" cy="0"/>
+          <a:chOff x="0" y="0"/>
+          <a:chExt cx="0" cy="0"/>
+        </a:xfrm>
+      </p:grpSpPr>
+      <p:sp>
+        <p:nvSpPr>
+          <p:cNvPr id="2" name="Title 1">
+            <a:extLst>
+              <a:ext uri="{FF2B5EF4-FFF2-40B4-BE49-F238E27FC236}">
+                <a16:creationId xmlns:a16="http://schemas.microsoft.com/office/drawing/2014/main" id="{F05E9EDD-3229-4FB0-BA45-8E5D67FC5B76}"/>
+              </a:ext>
+            </a:extLst>
+          </p:cNvPr>
+          <p:cNvSpPr>
+            <a:spLocks noGrp="1"/>
+          </p:cNvSpPr>
+          <p:nvPr>
+            <p:ph type="title"/>
+          </p:nvPr>
+        </p:nvSpPr>
+        <p:spPr/>
+        <p:txBody>
+          <a:bodyPr/>
+          <a:lstStyle/>
+          <a:p>
+            <a:r>
+              <a:rPr lang="en-US" dirty="0"/>
+              <a:t>What's Next</a:t>
+            </a:r>
+          </a:p>
+        </p:txBody>
+      </p:sp>
+      <p:sp>
+        <p:nvSpPr>
+          <p:cNvPr id="3" name="Content Placeholder 2">
+            <a:extLst>
+              <a:ext uri="{FF2B5EF4-FFF2-40B4-BE49-F238E27FC236}">
+                <a16:creationId xmlns:a16="http://schemas.microsoft.com/office/drawing/2014/main" id="{69AEDBD5-9FC3-453D-A08F-165B7C13FEF8}"/>
+              </a:ext>
+            </a:extLst>
+          </p:cNvPr>
+          <p:cNvSpPr>
+            <a:spLocks noGrp="1"/>
+          </p:cNvSpPr>
+          <p:nvPr>
+            <p:ph idx="1"/>
+          </p:nvPr>
+        </p:nvSpPr>
+        <p:spPr/>
+        <p:txBody>
+          <a:bodyPr/>
+          <a:lstStyle/>
+          <a:p>
+            <a:endParaRPr lang="en-US"/>
+          </a:p>
+        </p:txBody>
+      </p:sp>
+    </p:spTree>
+    <p:extLst>
+      <p:ext uri="{BB962C8B-B14F-4D97-AF65-F5344CB8AC3E}">
+        <p14:creationId xmlns:p14="http://schemas.microsoft.com/office/powerpoint/2010/main" val="2960156185"/>
       </p:ext>
     </p:extLst>
   </p:cSld>

--- a/Invest-In.pptx
+++ b/Invest-In.pptx
@@ -109,6 +109,11 @@
       </a:defRPr>
     </a:lvl9pPr>
   </p:defaultTextStyle>
+  <p:extLst>
+    <p:ext uri="{EFAFB233-063F-42B5-8137-9DF3F51BA10A}">
+      <p15:sldGuideLst xmlns:p15="http://schemas.microsoft.com/office/powerpoint/2012/main"/>
+    </p:ext>
+  </p:extLst>
 </p:presentation>
 </file>
 
@@ -4209,7 +4214,19 @@
           <a:bodyPr/>
           <a:lstStyle/>
           <a:p>
-            <a:endParaRPr lang="en-US"/>
+            <a:r>
+              <a:rPr lang="en-US" dirty="0"/>
+              <a:t>The Tool provided good predictions for a single stock so we can further increasing the testing to include more stocks</a:t>
+            </a:r>
+          </a:p>
+          <a:p>
+            <a:r>
+              <a:rPr lang="en-US" dirty="0"/>
+              <a:t>Use the model to simulate a more realistic growth of capital than many free tools by adding indicators as extra layer to train the model</a:t>
+            </a:r>
+          </a:p>
+          <a:p>
+            <a:endParaRPr lang="en-US" dirty="0"/>
           </a:p>
         </p:txBody>
       </p:sp>
